--- a/inflearn04/doc/3.(심화)IoC DI 실행비용을 개선합니다.pptx
+++ b/inflearn04/doc/3.(심화)IoC DI 실행비용을 개선합니다.pptx
@@ -12,8 +12,8 @@
   </p:handoutMasterIdLst>
   <p:sldIdLst>
     <p:sldId id="271" r:id="rId2"/>
-    <p:sldId id="285" r:id="rId3"/>
-    <p:sldId id="288" r:id="rId4"/>
+    <p:sldId id="288" r:id="rId3"/>
+    <p:sldId id="285" r:id="rId4"/>
     <p:sldId id="290" r:id="rId5"/>
     <p:sldId id="292" r:id="rId6"/>
     <p:sldId id="293" r:id="rId7"/>
@@ -642,7 +642,7 @@
                 <a:latin typeface="맑은 고딕" panose="020B0503020000020004" pitchFamily="50" charset="-127"/>
                 <a:ea typeface="맑은 고딕" panose="020B0503020000020004" pitchFamily="50" charset="-127"/>
               </a:rPr>
-              <a:t>2021년 6월 23일</a:t>
+              <a:t>2021년 7월 15일</a:t>
             </a:fld>
             <a:endParaRPr lang="ko-KR" altLang="en-US">
               <a:latin typeface="맑은 고딕" panose="020B0503020000020004" pitchFamily="50" charset="-127"/>
@@ -828,7 +828,7 @@
             <a:fld id="{BE16EC8A-0758-4FA9-BF4D-3119057076D1}" type="datetime4">
               <a:rPr lang="ko-KR" altLang="en-US" smtClean="0"/>
               <a:pPr/>
-              <a:t>2021년 6월 23일</a:t>
+              <a:t>2021년 7월 15일</a:t>
             </a:fld>
             <a:endParaRPr lang="ko-KR" altLang="en-US"/>
           </a:p>
@@ -3310,7 +3310,7 @@
           <a:p>
             <a:fld id="{2A5B65E4-62A8-4988-B07B-5D6D443B14ED}" type="datetime4">
               <a:rPr lang="ko-KR" altLang="en-US" smtClean="0"/>
-              <a:t>2021년 6월 23일</a:t>
+              <a:t>2021년 7월 15일</a:t>
             </a:fld>
             <a:endParaRPr lang="ko-KR" altLang="en-US"/>
           </a:p>
@@ -3566,7 +3566,7 @@
           <a:p>
             <a:fld id="{58EB6286-0DE7-4336-9826-977AD102FCF2}" type="datetime4">
               <a:rPr lang="ko-KR" altLang="en-US" noProof="0" smtClean="0"/>
-              <a:t>2021년 6월 23일</a:t>
+              <a:t>2021년 7월 15일</a:t>
             </a:fld>
             <a:endParaRPr lang="ko-KR" altLang="en-US" noProof="0"/>
           </a:p>
@@ -3762,7 +3762,7 @@
             <a:pPr rtl="0"/>
             <a:fld id="{6A5419DA-7218-42E5-A443-F000500111E1}" type="datetime4">
               <a:rPr lang="ko-KR" altLang="en-US" noProof="0" smtClean="0"/>
-              <a:t>2021년 6월 23일</a:t>
+              <a:t>2021년 7월 15일</a:t>
             </a:fld>
             <a:endParaRPr lang="ko-KR" altLang="en-US" noProof="0"/>
           </a:p>
@@ -6163,7 +6163,7 @@
           <a:p>
             <a:fld id="{E498C52F-1DF1-4226-BAB6-C1E2EE4C9D62}" type="datetime4">
               <a:rPr lang="ko-KR" altLang="en-US" noProof="0" smtClean="0"/>
-              <a:t>2021년 6월 23일</a:t>
+              <a:t>2021년 7월 15일</a:t>
             </a:fld>
             <a:endParaRPr lang="ko-KR" altLang="en-US" noProof="0"/>
           </a:p>
@@ -6682,7 +6682,7 @@
           <a:p>
             <a:fld id="{7B1E1FFC-F755-4558-8D3C-A157D1A01A8A}" type="datetime4">
               <a:rPr lang="ko-KR" altLang="en-US" noProof="0" smtClean="0"/>
-              <a:t>2021년 6월 23일</a:t>
+              <a:t>2021년 7월 15일</a:t>
             </a:fld>
             <a:endParaRPr lang="ko-KR" altLang="en-US" noProof="0"/>
           </a:p>
@@ -6826,7 +6826,7 @@
             <a:pPr rtl="0"/>
             <a:fld id="{DA2A33C0-A4A8-4C90-B6DA-35B8CF58C816}" type="datetime4">
               <a:rPr lang="ko-KR" altLang="en-US" noProof="0" smtClean="0"/>
-              <a:t>2021년 6월 23일</a:t>
+              <a:t>2021년 7월 15일</a:t>
             </a:fld>
             <a:endParaRPr lang="ko-KR" altLang="en-US" noProof="0"/>
           </a:p>
@@ -8774,7 +8774,7 @@
           <a:p>
             <a:fld id="{53CB1B8F-A14A-4BE4-A9B9-3B263F04145C}" type="datetime4">
               <a:rPr lang="ko-KR" altLang="en-US" noProof="0" smtClean="0"/>
-              <a:t>2021년 6월 23일</a:t>
+              <a:t>2021년 7월 15일</a:t>
             </a:fld>
             <a:endParaRPr lang="ko-KR" altLang="en-US" noProof="0"/>
           </a:p>
@@ -11071,7 +11071,7 @@
           <a:p>
             <a:fld id="{5B9196A3-957C-4113-A568-B6ED9AEA3D01}" type="datetime4">
               <a:rPr lang="ko-KR" altLang="en-US" noProof="0" smtClean="0"/>
-              <a:t>2021년 6월 23일</a:t>
+              <a:t>2021년 7월 15일</a:t>
             </a:fld>
             <a:endParaRPr lang="ko-KR" altLang="en-US" noProof="0"/>
           </a:p>
@@ -15388,7 +15388,7 @@
           <a:p>
             <a:fld id="{28BEB146-D335-4DA5-9826-58595BCDBE2E}" type="datetime4">
               <a:rPr lang="ko-KR" altLang="en-US" noProof="0" smtClean="0"/>
-              <a:t>2021년 6월 23일</a:t>
+              <a:t>2021년 7월 15일</a:t>
             </a:fld>
             <a:endParaRPr lang="ko-KR" altLang="en-US" noProof="0"/>
           </a:p>
@@ -15914,7 +15914,23 @@
             <a:pPr lvl="1"/>
             <a:r>
               <a:rPr lang="ko-KR" altLang="en-US"/>
-              <a:t>개발자의 코드가 아닌 프레임워크에서 서비스를 실행해주는 기능</a:t>
+              <a:t>개발자의 코드</a:t>
+            </a:r>
+            <a:r>
+              <a:rPr lang="en-US" altLang="ko-KR"/>
+              <a:t>(</a:t>
+            </a:r>
+            <a:r>
+              <a:rPr lang="ko-KR" altLang="en-US"/>
+              <a:t>컴파일</a:t>
+            </a:r>
+            <a:r>
+              <a:rPr lang="en-US" altLang="ko-KR"/>
+              <a:t>)</a:t>
+            </a:r>
+            <a:r>
+              <a:rPr lang="ko-KR" altLang="en-US"/>
+              <a:t> 없이 원하는 서비스를 실행해주는 기능</a:t>
             </a:r>
             <a:endParaRPr lang="en-US" altLang="ko-KR"/>
           </a:p>
@@ -15961,61 +15977,84 @@
           <a:p>
             <a:pPr lvl="1"/>
             <a:r>
+              <a:rPr lang="en-US" altLang="ko-KR"/>
+              <a:t>exeWrite : </a:t>
+            </a:r>
+            <a:r>
               <a:rPr lang="ko-KR" altLang="en-US"/>
-              <a:t>서비스키 </a:t>
+              <a:t>서비스키</a:t>
             </a:r>
             <a:r>
               <a:rPr lang="en-US" altLang="ko-KR"/>
-              <a:t>= </a:t>
-            </a:r>
-            <a:r>
-              <a:rPr lang="ko-KR" altLang="en-US"/>
-              <a:t>개발자코드 </a:t>
-            </a:r>
-            <a:r>
-              <a:rPr lang="en-US" altLang="ko-KR"/>
-              <a:t>+ AOP </a:t>
-            </a:r>
-            <a:r>
-              <a:rPr lang="ko-KR" altLang="en-US"/>
-              <a:t>자원 </a:t>
-            </a:r>
-            <a:r>
-              <a:rPr lang="en-US" altLang="ko-KR"/>
-              <a:t>+ </a:t>
-            </a:r>
-            <a:r>
-              <a:rPr lang="ko-KR" altLang="en-US"/>
-              <a:t>동적바인딩</a:t>
-            </a:r>
-            <a:r>
-              <a:rPr lang="en-US" altLang="ko-KR"/>
-              <a:t>(</a:t>
-            </a:r>
-            <a:r>
-              <a:rPr lang="ko-KR" altLang="en-US"/>
-              <a:t>클래스로더</a:t>
-            </a:r>
-            <a:r>
-              <a:rPr lang="en-US" altLang="ko-KR"/>
-              <a:t>)</a:t>
+              <a:t>, DI</a:t>
             </a:r>
           </a:p>
           <a:p>
             <a:pPr lvl="1"/>
             <a:r>
-              <a:rPr lang="ko-KR" altLang="en-US"/>
-              <a:t>서비스키 </a:t>
-            </a:r>
-            <a:r>
               <a:rPr lang="en-US" altLang="ko-KR"/>
-              <a:t>= </a:t>
+              <a:t>executeService : </a:t>
             </a:r>
             <a:r>
               <a:rPr lang="ko-KR" altLang="en-US"/>
-              <a:t>서비스 결과</a:t>
+              <a:t>서비스키 맞는 서비스 실행</a:t>
             </a:r>
-            <a:endParaRPr lang="en-US" altLang="ko-KR" dirty="0"/>
+            <a:endParaRPr lang="en-US" altLang="ko-KR"/>
+          </a:p>
+          <a:p>
+            <a:r>
+              <a:rPr lang="ko-KR" altLang="en-US"/>
+              <a:t>동적으로 기능이 수행</a:t>
+            </a:r>
+            <a:endParaRPr lang="en-US" altLang="ko-KR"/>
+          </a:p>
+          <a:p>
+            <a:pPr lvl="1"/>
+            <a:r>
+              <a:rPr lang="ko-KR" altLang="en-US">
+                <a:solidFill>
+                  <a:srgbClr val="FF0000"/>
+                </a:solidFill>
+              </a:rPr>
+              <a:t>정적</a:t>
+            </a:r>
+            <a:r>
+              <a:rPr lang="en-US" altLang="ko-KR">
+                <a:solidFill>
+                  <a:srgbClr val="FF0000"/>
+                </a:solidFill>
+              </a:rPr>
+              <a:t>(</a:t>
+            </a:r>
+            <a:r>
+              <a:rPr lang="ko-KR" altLang="en-US">
+                <a:solidFill>
+                  <a:srgbClr val="FF0000"/>
+                </a:solidFill>
+              </a:rPr>
+              <a:t>컴파일</a:t>
+            </a:r>
+            <a:r>
+              <a:rPr lang="en-US" altLang="ko-KR">
+                <a:solidFill>
+                  <a:srgbClr val="FF0000"/>
+                </a:solidFill>
+              </a:rPr>
+              <a:t>)</a:t>
+            </a:r>
+            <a:r>
+              <a:rPr lang="ko-KR" altLang="en-US">
+                <a:solidFill>
+                  <a:srgbClr val="FF0000"/>
+                </a:solidFill>
+              </a:rPr>
+              <a:t>보다 느림</a:t>
+            </a:r>
+            <a:endParaRPr lang="en-US" altLang="ko-KR">
+              <a:solidFill>
+                <a:srgbClr val="FF0000"/>
+              </a:solidFill>
+            </a:endParaRPr>
           </a:p>
         </p:txBody>
       </p:sp>
@@ -16083,18 +16122,9 @@
           <a:lstStyle/>
           <a:p>
             <a:r>
-              <a:rPr lang="en-US" altLang="ko-KR"/>
-              <a:t>IoC, DI </a:t>
+              <a:rPr lang="ko-KR" altLang="en-US"/>
+              <a:t>실행비용 개선</a:t>
             </a:r>
-            <a:r>
-              <a:rPr lang="ko-KR" altLang="en-US"/>
-              <a:t>실행 비용을 개선합니다</a:t>
-            </a:r>
-            <a:r>
-              <a:rPr lang="en-US" altLang="ko-KR"/>
-              <a:t>.</a:t>
-            </a:r>
-            <a:endParaRPr lang="ko-KR" altLang="en-US"/>
           </a:p>
         </p:txBody>
       </p:sp>
@@ -16121,7 +16151,185 @@
           <a:p>
             <a:r>
               <a:rPr lang="ko-KR" altLang="en-US"/>
-              <a:t>개발자코드 </a:t>
+              <a:t>객체 재사용</a:t>
+            </a:r>
+            <a:endParaRPr lang="en-US" altLang="ko-KR"/>
+          </a:p>
+          <a:p>
+            <a:pPr lvl="1"/>
+            <a:r>
+              <a:rPr lang="en-US" altLang="ko-KR" i="1">
+                <a:solidFill>
+                  <a:srgbClr val="000000"/>
+                </a:solidFill>
+                <a:latin typeface="Consolas" panose="020B0609020204030204" pitchFamily="49" charset="0"/>
+              </a:rPr>
+              <a:t>Box, </a:t>
+            </a:r>
+            <a:r>
+              <a:rPr lang="en-US" altLang="ko-KR" sz="1800" i="1">
+                <a:solidFill>
+                  <a:srgbClr val="000000"/>
+                </a:solidFill>
+                <a:latin typeface="Consolas" panose="020B0609020204030204" pitchFamily="49" charset="0"/>
+              </a:rPr>
+              <a:t>Transaction</a:t>
+            </a:r>
+          </a:p>
+          <a:p>
+            <a:pPr lvl="1"/>
+            <a:r>
+              <a:rPr lang="en-US" altLang="ko-KR" sz="1800" i="1">
+                <a:solidFill>
+                  <a:srgbClr val="000000"/>
+                </a:solidFill>
+                <a:latin typeface="Consolas" panose="020B0609020204030204" pitchFamily="49" charset="0"/>
+              </a:rPr>
+              <a:t>Trace, Crypt, String</a:t>
+            </a:r>
+          </a:p>
+          <a:p>
+            <a:endParaRPr lang="en-US" altLang="ko-KR" i="1">
+              <a:solidFill>
+                <a:srgbClr val="000000"/>
+              </a:solidFill>
+              <a:latin typeface="Consolas" panose="020B0609020204030204" pitchFamily="49" charset="0"/>
+            </a:endParaRPr>
+          </a:p>
+          <a:p>
+            <a:endParaRPr lang="en-US" altLang="ko-KR" i="1">
+              <a:solidFill>
+                <a:srgbClr val="000000"/>
+              </a:solidFill>
+              <a:latin typeface="Consolas" panose="020B0609020204030204" pitchFamily="49" charset="0"/>
+            </a:endParaRPr>
+          </a:p>
+        </p:txBody>
+      </p:sp>
+      <p:pic>
+        <p:nvPicPr>
+          <p:cNvPr id="5" name="그림 4">
+            <a:extLst>
+              <a:ext uri="{FF2B5EF4-FFF2-40B4-BE49-F238E27FC236}">
+                <a16:creationId xmlns:a16="http://schemas.microsoft.com/office/drawing/2014/main" id="{2D30630C-5AAF-407D-9962-A882F3EAAB13}"/>
+              </a:ext>
+            </a:extLst>
+          </p:cNvPr>
+          <p:cNvPicPr>
+            <a:picLocks noChangeAspect="1"/>
+          </p:cNvPicPr>
+          <p:nvPr/>
+        </p:nvPicPr>
+        <p:blipFill>
+          <a:blip r:embed="rId2"/>
+          <a:stretch>
+            <a:fillRect/>
+          </a:stretch>
+        </p:blipFill>
+        <p:spPr>
+          <a:xfrm>
+            <a:off x="6538365" y="2334799"/>
+            <a:ext cx="4635460" cy="3302661"/>
+          </a:xfrm>
+          <a:prstGeom prst="rect">
+            <a:avLst/>
+          </a:prstGeom>
+        </p:spPr>
+      </p:pic>
+    </p:spTree>
+    <p:extLst>
+      <p:ext uri="{BB962C8B-B14F-4D97-AF65-F5344CB8AC3E}">
+        <p14:creationId xmlns:p14="http://schemas.microsoft.com/office/powerpoint/2010/main" val="3694398187"/>
+      </p:ext>
+    </p:extLst>
+  </p:cSld>
+  <p:clrMapOvr>
+    <a:masterClrMapping/>
+  </p:clrMapOvr>
+  <mc:AlternateContent xmlns:mc="http://schemas.openxmlformats.org/markup-compatibility/2006" xmlns:p14="http://schemas.microsoft.com/office/powerpoint/2010/main">
+    <mc:Choice Requires="p14">
+      <p:transition spd="med" p14:dur="700">
+        <p:fade/>
+      </p:transition>
+    </mc:Choice>
+    <mc:Fallback xmlns="">
+      <p:transition spd="med">
+        <p:fade/>
+      </p:transition>
+    </mc:Fallback>
+  </mc:AlternateContent>
+</p:sld>
+</file>
+
+<file path=ppt/slides/slide3.xml><?xml version="1.0" encoding="utf-8"?>
+<p:sld xmlns:a="http://schemas.openxmlformats.org/drawingml/2006/main" xmlns:r="http://schemas.openxmlformats.org/officeDocument/2006/relationships" xmlns:p="http://schemas.openxmlformats.org/presentationml/2006/main">
+  <p:cSld>
+    <p:spTree>
+      <p:nvGrpSpPr>
+        <p:cNvPr id="1" name=""/>
+        <p:cNvGrpSpPr/>
+        <p:nvPr/>
+      </p:nvGrpSpPr>
+      <p:grpSpPr>
+        <a:xfrm>
+          <a:off x="0" y="0"/>
+          <a:ext cx="0" cy="0"/>
+          <a:chOff x="0" y="0"/>
+          <a:chExt cx="0" cy="0"/>
+        </a:xfrm>
+      </p:grpSpPr>
+      <p:sp>
+        <p:nvSpPr>
+          <p:cNvPr id="2" name="제목 1">
+            <a:extLst>
+              <a:ext uri="{FF2B5EF4-FFF2-40B4-BE49-F238E27FC236}">
+                <a16:creationId xmlns:a16="http://schemas.microsoft.com/office/drawing/2014/main" id="{A899824E-A4E4-49CE-B33F-88500DE25EAE}"/>
+              </a:ext>
+            </a:extLst>
+          </p:cNvPr>
+          <p:cNvSpPr>
+            <a:spLocks noGrp="1"/>
+          </p:cNvSpPr>
+          <p:nvPr>
+            <p:ph type="title"/>
+          </p:nvPr>
+        </p:nvSpPr>
+        <p:spPr/>
+        <p:txBody>
+          <a:bodyPr/>
+          <a:lstStyle/>
+          <a:p>
+            <a:r>
+              <a:rPr lang="ko-KR" altLang="en-US"/>
+              <a:t>실행비용 개선</a:t>
+            </a:r>
+          </a:p>
+        </p:txBody>
+      </p:sp>
+      <p:sp>
+        <p:nvSpPr>
+          <p:cNvPr id="3" name="내용 개체 틀 2">
+            <a:extLst>
+              <a:ext uri="{FF2B5EF4-FFF2-40B4-BE49-F238E27FC236}">
+                <a16:creationId xmlns:a16="http://schemas.microsoft.com/office/drawing/2014/main" id="{FC8BDC98-947C-4762-98F4-1FD7FA6371AC}"/>
+              </a:ext>
+            </a:extLst>
+          </p:cNvPr>
+          <p:cNvSpPr>
+            <a:spLocks noGrp="1"/>
+          </p:cNvSpPr>
+          <p:nvPr>
+            <p:ph idx="1"/>
+          </p:nvPr>
+        </p:nvSpPr>
+        <p:spPr/>
+        <p:txBody>
+          <a:bodyPr/>
+          <a:lstStyle/>
+          <a:p>
+            <a:r>
+              <a:rPr lang="ko-KR" altLang="en-US"/>
+              <a:t>코드를 쉽게</a:t>
             </a:r>
             <a:endParaRPr lang="en-US" altLang="ko-KR"/>
           </a:p>
@@ -16252,179 +16460,6 @@
 </p:sld>
 </file>
 
-<file path=ppt/slides/slide3.xml><?xml version="1.0" encoding="utf-8"?>
-<p:sld xmlns:a="http://schemas.openxmlformats.org/drawingml/2006/main" xmlns:r="http://schemas.openxmlformats.org/officeDocument/2006/relationships" xmlns:p="http://schemas.openxmlformats.org/presentationml/2006/main">
-  <p:cSld>
-    <p:spTree>
-      <p:nvGrpSpPr>
-        <p:cNvPr id="1" name=""/>
-        <p:cNvGrpSpPr/>
-        <p:nvPr/>
-      </p:nvGrpSpPr>
-      <p:grpSpPr>
-        <a:xfrm>
-          <a:off x="0" y="0"/>
-          <a:ext cx="0" cy="0"/>
-          <a:chOff x="0" y="0"/>
-          <a:chExt cx="0" cy="0"/>
-        </a:xfrm>
-      </p:grpSpPr>
-      <p:sp>
-        <p:nvSpPr>
-          <p:cNvPr id="2" name="제목 1">
-            <a:extLst>
-              <a:ext uri="{FF2B5EF4-FFF2-40B4-BE49-F238E27FC236}">
-                <a16:creationId xmlns:a16="http://schemas.microsoft.com/office/drawing/2014/main" id="{A899824E-A4E4-49CE-B33F-88500DE25EAE}"/>
-              </a:ext>
-            </a:extLst>
-          </p:cNvPr>
-          <p:cNvSpPr>
-            <a:spLocks noGrp="1"/>
-          </p:cNvSpPr>
-          <p:nvPr>
-            <p:ph type="title"/>
-          </p:nvPr>
-        </p:nvSpPr>
-        <p:spPr/>
-        <p:txBody>
-          <a:bodyPr/>
-          <a:lstStyle/>
-          <a:p>
-            <a:r>
-              <a:rPr lang="en-US" altLang="ko-KR"/>
-              <a:t>IoC, DI </a:t>
-            </a:r>
-            <a:r>
-              <a:rPr lang="ko-KR" altLang="en-US"/>
-              <a:t>실행 비용을 개선합니다</a:t>
-            </a:r>
-            <a:r>
-              <a:rPr lang="en-US" altLang="ko-KR"/>
-              <a:t>.</a:t>
-            </a:r>
-            <a:endParaRPr lang="ko-KR" altLang="en-US"/>
-          </a:p>
-        </p:txBody>
-      </p:sp>
-      <p:sp>
-        <p:nvSpPr>
-          <p:cNvPr id="3" name="내용 개체 틀 2">
-            <a:extLst>
-              <a:ext uri="{FF2B5EF4-FFF2-40B4-BE49-F238E27FC236}">
-                <a16:creationId xmlns:a16="http://schemas.microsoft.com/office/drawing/2014/main" id="{FC8BDC98-947C-4762-98F4-1FD7FA6371AC}"/>
-              </a:ext>
-            </a:extLst>
-          </p:cNvPr>
-          <p:cNvSpPr>
-            <a:spLocks noGrp="1"/>
-          </p:cNvSpPr>
-          <p:nvPr>
-            <p:ph idx="1"/>
-          </p:nvPr>
-        </p:nvSpPr>
-        <p:spPr/>
-        <p:txBody>
-          <a:bodyPr/>
-          <a:lstStyle/>
-          <a:p>
-            <a:r>
-              <a:rPr lang="en-US" altLang="ko-KR"/>
-              <a:t>AOP </a:t>
-            </a:r>
-            <a:r>
-              <a:rPr lang="ko-KR" altLang="en-US"/>
-              <a:t>자원 </a:t>
-            </a:r>
-            <a:endParaRPr lang="en-US" altLang="ko-KR"/>
-          </a:p>
-          <a:p>
-            <a:pPr lvl="1"/>
-            <a:r>
-              <a:rPr lang="en-US" altLang="ko-KR" sz="1600">
-                <a:solidFill>
-                  <a:srgbClr val="000000"/>
-                </a:solidFill>
-                <a:latin typeface="Consolas" panose="020B0609020204030204" pitchFamily="49" charset="0"/>
-              </a:rPr>
-              <a:t>ThreadLoacl</a:t>
-            </a:r>
-            <a:endParaRPr lang="en-US" altLang="ko-KR" sz="1600" i="1">
-              <a:solidFill>
-                <a:srgbClr val="000000"/>
-              </a:solidFill>
-              <a:latin typeface="Consolas" panose="020B0609020204030204" pitchFamily="49" charset="0"/>
-            </a:endParaRPr>
-          </a:p>
-          <a:p>
-            <a:pPr lvl="1"/>
-            <a:r>
-              <a:rPr lang="en-US" altLang="ko-KR" sz="1800" i="1">
-                <a:solidFill>
-                  <a:srgbClr val="000000"/>
-                </a:solidFill>
-                <a:latin typeface="Consolas" panose="020B0609020204030204" pitchFamily="49" charset="0"/>
-              </a:rPr>
-              <a:t>BoxContext, TransactionContext</a:t>
-            </a:r>
-            <a:endParaRPr lang="ko-KR" altLang="en-US"/>
-          </a:p>
-        </p:txBody>
-      </p:sp>
-      <p:pic>
-        <p:nvPicPr>
-          <p:cNvPr id="5" name="그림 4">
-            <a:extLst>
-              <a:ext uri="{FF2B5EF4-FFF2-40B4-BE49-F238E27FC236}">
-                <a16:creationId xmlns:a16="http://schemas.microsoft.com/office/drawing/2014/main" id="{2D30630C-5AAF-407D-9962-A882F3EAAB13}"/>
-              </a:ext>
-            </a:extLst>
-          </p:cNvPr>
-          <p:cNvPicPr>
-            <a:picLocks noChangeAspect="1"/>
-          </p:cNvPicPr>
-          <p:nvPr/>
-        </p:nvPicPr>
-        <p:blipFill>
-          <a:blip r:embed="rId2"/>
-          <a:stretch>
-            <a:fillRect/>
-          </a:stretch>
-        </p:blipFill>
-        <p:spPr>
-          <a:xfrm>
-            <a:off x="6538365" y="2334799"/>
-            <a:ext cx="4635460" cy="3302661"/>
-          </a:xfrm>
-          <a:prstGeom prst="rect">
-            <a:avLst/>
-          </a:prstGeom>
-        </p:spPr>
-      </p:pic>
-    </p:spTree>
-    <p:extLst>
-      <p:ext uri="{BB962C8B-B14F-4D97-AF65-F5344CB8AC3E}">
-        <p14:creationId xmlns:p14="http://schemas.microsoft.com/office/powerpoint/2010/main" val="3694398187"/>
-      </p:ext>
-    </p:extLst>
-  </p:cSld>
-  <p:clrMapOvr>
-    <a:masterClrMapping/>
-  </p:clrMapOvr>
-  <mc:AlternateContent xmlns:mc="http://schemas.openxmlformats.org/markup-compatibility/2006" xmlns:p14="http://schemas.microsoft.com/office/powerpoint/2010/main">
-    <mc:Choice Requires="p14">
-      <p:transition spd="med" p14:dur="700">
-        <p:fade/>
-      </p:transition>
-    </mc:Choice>
-    <mc:Fallback xmlns="">
-      <p:transition spd="med">
-        <p:fade/>
-      </p:transition>
-    </mc:Fallback>
-  </mc:AlternateContent>
-</p:sld>
-</file>
-
 <file path=ppt/slides/slide4.xml><?xml version="1.0" encoding="utf-8"?>
 <p:sld xmlns:a="http://schemas.openxmlformats.org/drawingml/2006/main" xmlns:r="http://schemas.openxmlformats.org/officeDocument/2006/relationships" xmlns:p="http://schemas.openxmlformats.org/presentationml/2006/main">
   <p:cSld>
@@ -16464,18 +16499,9 @@
           <a:lstStyle/>
           <a:p>
             <a:r>
-              <a:rPr lang="en-US" altLang="ko-KR"/>
-              <a:t>IoC, DI </a:t>
+              <a:rPr lang="ko-KR" altLang="en-US"/>
+              <a:t>실행비용 개선</a:t>
             </a:r>
-            <a:r>
-              <a:rPr lang="ko-KR" altLang="en-US"/>
-              <a:t>실행 비용을 개선합니다</a:t>
-            </a:r>
-            <a:r>
-              <a:rPr lang="en-US" altLang="ko-KR"/>
-              <a:t>.</a:t>
-            </a:r>
-            <a:endParaRPr lang="ko-KR" altLang="en-US"/>
           </a:p>
         </p:txBody>
       </p:sp>
@@ -16502,7 +16528,7 @@
           <a:p>
             <a:r>
               <a:rPr lang="ko-KR" altLang="en-US"/>
-              <a:t>동적바인딩</a:t>
+              <a:t>동적 바인딩에 필요한 객체 캐쉬</a:t>
             </a:r>
             <a:endParaRPr lang="en-US" altLang="ko-KR"/>
           </a:p>
@@ -16551,16 +16577,15 @@
           </p:cNvPicPr>
           <p:nvPr/>
         </p:nvPicPr>
-        <p:blipFill>
+        <p:blipFill rotWithShape="1">
           <a:blip r:embed="rId2"/>
-          <a:stretch>
-            <a:fillRect/>
-          </a:stretch>
+          <a:srcRect l="3903"/>
+          <a:stretch/>
         </p:blipFill>
         <p:spPr>
           <a:xfrm>
-            <a:off x="5727961" y="2599831"/>
-            <a:ext cx="4827582" cy="1286369"/>
+            <a:off x="5842509" y="3637036"/>
+            <a:ext cx="4639118" cy="1286369"/>
           </a:xfrm>
           <a:prstGeom prst="rect">
             <a:avLst/>
@@ -16589,7 +16614,7 @@
         </p:blipFill>
         <p:spPr>
           <a:xfrm>
-            <a:off x="5630676" y="5258652"/>
+            <a:off x="5842509" y="5090887"/>
             <a:ext cx="6074118" cy="396463"/>
           </a:xfrm>
           <a:prstGeom prst="rect">
@@ -16613,13 +16638,13 @@
         </p:nvPicPr>
         <p:blipFill rotWithShape="1">
           <a:blip r:embed="rId4"/>
-          <a:srcRect b="66263"/>
+          <a:srcRect b="73351"/>
           <a:stretch/>
         </p:blipFill>
         <p:spPr>
           <a:xfrm>
-            <a:off x="5836104" y="4311828"/>
-            <a:ext cx="3586814" cy="521196"/>
+            <a:off x="5892555" y="2519532"/>
+            <a:ext cx="3586814" cy="411692"/>
           </a:xfrm>
           <a:prstGeom prst="rect">
             <a:avLst/>
@@ -16720,18 +16745,9 @@
           <a:lstStyle/>
           <a:p>
             <a:r>
-              <a:rPr lang="en-US" altLang="ko-KR"/>
-              <a:t>IoC, DI </a:t>
+              <a:rPr lang="ko-KR" altLang="en-US"/>
+              <a:t>실행비용 개선</a:t>
             </a:r>
-            <a:r>
-              <a:rPr lang="ko-KR" altLang="en-US"/>
-              <a:t>실행 비용을 개선합니다</a:t>
-            </a:r>
-            <a:r>
-              <a:rPr lang="en-US" altLang="ko-KR"/>
-              <a:t>.</a:t>
-            </a:r>
-            <a:endParaRPr lang="ko-KR" altLang="en-US"/>
           </a:p>
         </p:txBody>
       </p:sp>
@@ -16758,7 +16774,7 @@
           <a:p>
             <a:r>
               <a:rPr lang="ko-KR" altLang="en-US"/>
-              <a:t>동적바인딩</a:t>
+              <a:t>동적 바인딩에 필요한 객체 캐쉬</a:t>
             </a:r>
             <a:endParaRPr lang="en-US" altLang="ko-KR"/>
           </a:p>
@@ -16766,7 +16782,23 @@
             <a:pPr lvl="1"/>
             <a:r>
               <a:rPr lang="ko-KR" altLang="en-US"/>
-              <a:t>캐쉬</a:t>
+              <a:t>한번 생성된 </a:t>
+            </a:r>
+            <a:r>
+              <a:rPr lang="en-US" altLang="ko-KR"/>
+              <a:t>ServiceB </a:t>
+            </a:r>
+            <a:r>
+              <a:rPr lang="ko-KR" altLang="en-US"/>
+              <a:t>객체 보관 재사용</a:t>
+            </a:r>
+            <a:endParaRPr lang="en-US" altLang="ko-KR"/>
+          </a:p>
+          <a:p>
+            <a:pPr lvl="1"/>
+            <a:r>
+              <a:rPr lang="ko-KR" altLang="en-US"/>
+              <a:t>동기화 구문은 필요하지 않음</a:t>
             </a:r>
             <a:endParaRPr lang="en-US" altLang="ko-KR"/>
           </a:p>
@@ -16774,10 +16806,10 @@
       </p:sp>
       <p:pic>
         <p:nvPicPr>
-          <p:cNvPr id="6" name="그림 5">
+          <p:cNvPr id="5" name="그림 4">
             <a:extLst>
               <a:ext uri="{FF2B5EF4-FFF2-40B4-BE49-F238E27FC236}">
-                <a16:creationId xmlns:a16="http://schemas.microsoft.com/office/drawing/2014/main" id="{4862B505-3EAE-4F59-A5BF-D68333C47B86}"/>
+                <a16:creationId xmlns:a16="http://schemas.microsoft.com/office/drawing/2014/main" id="{C9FA930F-0274-48DA-A2D1-B1D507D3E02F}"/>
               </a:ext>
             </a:extLst>
           </p:cNvPr>
@@ -16794,8 +16826,8 @@
         </p:blipFill>
         <p:spPr>
           <a:xfrm>
-            <a:off x="1594695" y="3032930"/>
-            <a:ext cx="6210923" cy="1159657"/>
+            <a:off x="6599766" y="2664581"/>
+            <a:ext cx="4744112" cy="1257475"/>
           </a:xfrm>
           <a:prstGeom prst="rect">
             <a:avLst/>
@@ -16804,10 +16836,10 @@
       </p:pic>
       <p:pic>
         <p:nvPicPr>
-          <p:cNvPr id="10" name="그림 9">
+          <p:cNvPr id="8" name="그림 7">
             <a:extLst>
               <a:ext uri="{FF2B5EF4-FFF2-40B4-BE49-F238E27FC236}">
-                <a16:creationId xmlns:a16="http://schemas.microsoft.com/office/drawing/2014/main" id="{4C1A38D8-08BF-446B-B741-1BFA6B9A4D2B}"/>
+                <a16:creationId xmlns:a16="http://schemas.microsoft.com/office/drawing/2014/main" id="{EBCDA61E-890C-4C6F-98D6-A68F392C4B9D}"/>
               </a:ext>
             </a:extLst>
           </p:cNvPr>
@@ -16824,8 +16856,38 @@
         </p:blipFill>
         <p:spPr>
           <a:xfrm>
-            <a:off x="1594695" y="4310625"/>
-            <a:ext cx="9002610" cy="1519921"/>
+            <a:off x="6599766" y="4200303"/>
+            <a:ext cx="2724530" cy="1590897"/>
+          </a:xfrm>
+          <a:prstGeom prst="rect">
+            <a:avLst/>
+          </a:prstGeom>
+        </p:spPr>
+      </p:pic>
+      <p:pic>
+        <p:nvPicPr>
+          <p:cNvPr id="11" name="그림 10">
+            <a:extLst>
+              <a:ext uri="{FF2B5EF4-FFF2-40B4-BE49-F238E27FC236}">
+                <a16:creationId xmlns:a16="http://schemas.microsoft.com/office/drawing/2014/main" id="{B99CCF37-5FCF-4152-A7C5-7D7398DFA28A}"/>
+              </a:ext>
+            </a:extLst>
+          </p:cNvPr>
+          <p:cNvPicPr>
+            <a:picLocks noChangeAspect="1"/>
+          </p:cNvPicPr>
+          <p:nvPr/>
+        </p:nvPicPr>
+        <p:blipFill>
+          <a:blip r:embed="rId4"/>
+          <a:stretch>
+            <a:fillRect/>
+          </a:stretch>
+        </p:blipFill>
+        <p:spPr>
+          <a:xfrm>
+            <a:off x="6599766" y="1689831"/>
+            <a:ext cx="4553585" cy="514422"/>
           </a:xfrm>
           <a:prstGeom prst="rect">
             <a:avLst/>
@@ -16896,18 +16958,9 @@
           <a:lstStyle/>
           <a:p>
             <a:r>
-              <a:rPr lang="en-US" altLang="ko-KR"/>
-              <a:t>IoC, DI </a:t>
+              <a:rPr lang="ko-KR" altLang="en-US"/>
+              <a:t>실행비용 개선</a:t>
             </a:r>
-            <a:r>
-              <a:rPr lang="ko-KR" altLang="en-US"/>
-              <a:t>실행 비용을 개선합니다</a:t>
-            </a:r>
-            <a:r>
-              <a:rPr lang="en-US" altLang="ko-KR"/>
-              <a:t>.</a:t>
-            </a:r>
-            <a:endParaRPr lang="ko-KR" altLang="en-US"/>
           </a:p>
         </p:txBody>
       </p:sp>
@@ -16934,7 +16987,7 @@
           <a:p>
             <a:r>
               <a:rPr lang="ko-KR" altLang="en-US"/>
-              <a:t>동적바인딩</a:t>
+              <a:t>동적 바인딩에 필요한 객체 캐쉬</a:t>
             </a:r>
             <a:endParaRPr lang="en-US" altLang="ko-KR"/>
           </a:p>
@@ -16942,18 +16995,48 @@
             <a:pPr lvl="1"/>
             <a:r>
               <a:rPr lang="ko-KR" altLang="en-US"/>
-              <a:t>리로드</a:t>
+              <a:t>리로드 기능 구현</a:t>
             </a:r>
+            <a:endParaRPr lang="en-US" altLang="ko-KR"/>
+          </a:p>
+          <a:p>
+            <a:pPr lvl="1"/>
+            <a:r>
+              <a:rPr lang="ko-KR" altLang="en-US"/>
+              <a:t>동적으로 서비스 변경</a:t>
+            </a:r>
+            <a:endParaRPr lang="en-US" altLang="ko-KR"/>
+          </a:p>
+          <a:p>
+            <a:pPr lvl="2"/>
+            <a:r>
+              <a:rPr lang="ko-KR" altLang="en-US"/>
+              <a:t>게시물리스트 </a:t>
+            </a:r>
+            <a:r>
+              <a:rPr lang="en-US" altLang="ko-KR"/>
+              <a:t>-&gt; </a:t>
+            </a:r>
+            <a:r>
+              <a:rPr lang="ko-KR" altLang="en-US"/>
+              <a:t>장애안내화면</a:t>
+            </a:r>
+            <a:endParaRPr lang="en-US" altLang="ko-KR"/>
+          </a:p>
+          <a:p>
+            <a:pPr marL="274320" lvl="1" indent="0">
+              <a:buNone/>
+            </a:pPr>
             <a:endParaRPr lang="en-US" altLang="ko-KR"/>
           </a:p>
         </p:txBody>
       </p:sp>
       <p:pic>
         <p:nvPicPr>
-          <p:cNvPr id="5" name="그림 4">
+          <p:cNvPr id="6" name="그림 5">
             <a:extLst>
               <a:ext uri="{FF2B5EF4-FFF2-40B4-BE49-F238E27FC236}">
-                <a16:creationId xmlns:a16="http://schemas.microsoft.com/office/drawing/2014/main" id="{06FF537C-4010-4301-B0AE-9BB867DCB977}"/>
+                <a16:creationId xmlns:a16="http://schemas.microsoft.com/office/drawing/2014/main" id="{98E6564B-331C-43F6-9743-8EF2FDBFB378}"/>
               </a:ext>
             </a:extLst>
           </p:cNvPr>
@@ -16962,15 +17045,16 @@
           </p:cNvPicPr>
           <p:nvPr/>
         </p:nvPicPr>
-        <p:blipFill rotWithShape="1">
+        <p:blipFill>
           <a:blip r:embed="rId2"/>
-          <a:srcRect t="1789"/>
-          <a:stretch/>
+          <a:stretch>
+            <a:fillRect/>
+          </a:stretch>
         </p:blipFill>
         <p:spPr>
           <a:xfrm>
-            <a:off x="1709252" y="3115433"/>
-            <a:ext cx="6944694" cy="2675767"/>
+            <a:off x="6495436" y="1910007"/>
+            <a:ext cx="4401164" cy="1181265"/>
           </a:xfrm>
           <a:prstGeom prst="rect">
             <a:avLst/>
